--- a/Documents/3주차/캡스톤_발표_2주차_v1.0.pptx
+++ b/Documents/3주차/캡스톤_발표_2주차_v1.0.pptx
@@ -1334,7 +1334,7 @@
             <a:fld id="{9334D819-9F07-4261-B09B-9E467E5D9002}" type="datetimeFigureOut">
               <a:rPr lang="en-US" dirty="0"/>
               <a:pPr/>
-              <a:t>9/17/2018</a:t>
+              <a:t>9/18/2018</a:t>
             </a:fld>
             <a:endParaRPr lang="en-US" dirty="0"/>
           </a:p>
@@ -1568,7 +1568,7 @@
           <a:p>
             <a:fld id="{9334D819-9F07-4261-B09B-9E467E5D9002}" type="datetimeFigureOut">
               <a:rPr lang="en-US" dirty="0"/>
-              <a:t>9/17/2018</a:t>
+              <a:t>9/18/2018</a:t>
             </a:fld>
             <a:endParaRPr lang="en-US" dirty="0"/>
           </a:p>
@@ -1743,7 +1743,7 @@
           <a:p>
             <a:fld id="{9334D819-9F07-4261-B09B-9E467E5D9002}" type="datetimeFigureOut">
               <a:rPr lang="en-US" dirty="0"/>
-              <a:t>9/17/2018</a:t>
+              <a:t>9/18/2018</a:t>
             </a:fld>
             <a:endParaRPr lang="en-US" dirty="0"/>
           </a:p>
@@ -1908,7 +1908,7 @@
           <a:p>
             <a:fld id="{9334D819-9F07-4261-B09B-9E467E5D9002}" type="datetimeFigureOut">
               <a:rPr lang="en-US" dirty="0"/>
-              <a:t>9/17/2018</a:t>
+              <a:t>9/18/2018</a:t>
             </a:fld>
             <a:endParaRPr lang="en-US" dirty="0"/>
           </a:p>
@@ -2180,7 +2180,7 @@
             <a:fld id="{9334D819-9F07-4261-B09B-9E467E5D9002}" type="datetimeFigureOut">
               <a:rPr lang="en-US" dirty="0"/>
               <a:pPr/>
-              <a:t>9/17/2018</a:t>
+              <a:t>9/18/2018</a:t>
             </a:fld>
             <a:endParaRPr lang="en-US" dirty="0"/>
           </a:p>
@@ -3377,7 +3377,7 @@
           <a:p>
             <a:fld id="{9334D819-9F07-4261-B09B-9E467E5D9002}" type="datetimeFigureOut">
               <a:rPr lang="en-US" dirty="0"/>
-              <a:t>9/17/2018</a:t>
+              <a:t>9/18/2018</a:t>
             </a:fld>
             <a:endParaRPr lang="en-US" dirty="0"/>
           </a:p>
@@ -3762,7 +3762,7 @@
           <a:p>
             <a:fld id="{9334D819-9F07-4261-B09B-9E467E5D9002}" type="datetimeFigureOut">
               <a:rPr lang="en-US" dirty="0"/>
-              <a:t>9/17/2018</a:t>
+              <a:t>9/18/2018</a:t>
             </a:fld>
             <a:endParaRPr lang="en-US" dirty="0"/>
           </a:p>
@@ -3880,7 +3880,7 @@
           <a:p>
             <a:fld id="{9334D819-9F07-4261-B09B-9E467E5D9002}" type="datetimeFigureOut">
               <a:rPr lang="en-US" dirty="0"/>
-              <a:t>9/17/2018</a:t>
+              <a:t>9/18/2018</a:t>
             </a:fld>
             <a:endParaRPr lang="en-US" dirty="0"/>
           </a:p>
@@ -3970,7 +3970,7 @@
           <a:p>
             <a:fld id="{9334D819-9F07-4261-B09B-9E467E5D9002}" type="datetimeFigureOut">
               <a:rPr lang="en-US" dirty="0"/>
-              <a:t>9/17/2018</a:t>
+              <a:t>9/18/2018</a:t>
             </a:fld>
             <a:endParaRPr lang="en-US" dirty="0"/>
           </a:p>
@@ -4728,7 +4728,7 @@
           <a:p>
             <a:fld id="{9334D819-9F07-4261-B09B-9E467E5D9002}" type="datetimeFigureOut">
               <a:rPr lang="en-US" dirty="0"/>
-              <a:t>9/17/2018</a:t>
+              <a:t>9/18/2018</a:t>
             </a:fld>
             <a:endParaRPr lang="en-US" dirty="0"/>
           </a:p>
@@ -5563,7 +5563,7 @@
           <a:p>
             <a:fld id="{9334D819-9F07-4261-B09B-9E467E5D9002}" type="datetimeFigureOut">
               <a:rPr lang="en-US" dirty="0"/>
-              <a:t>9/17/2018</a:t>
+              <a:t>9/18/2018</a:t>
             </a:fld>
             <a:endParaRPr lang="en-US" dirty="0"/>
           </a:p>
@@ -5786,7 +5786,7 @@
             <a:fld id="{9334D819-9F07-4261-B09B-9E467E5D9002}" type="datetimeFigureOut">
               <a:rPr lang="en-US" dirty="0"/>
               <a:pPr/>
-              <a:t>9/17/2018</a:t>
+              <a:t>9/18/2018</a:t>
             </a:fld>
             <a:endParaRPr lang="en-US" dirty="0"/>
           </a:p>
@@ -7732,8 +7732,8 @@
               <a:t>  - </a:t>
             </a:r>
             <a:r>
-              <a:rPr lang="ko-KR" altLang="en-US" sz="4200" b="1" dirty="0"/>
-              <a:t>시장조사</a:t>
+              <a:rPr lang="en-US" altLang="ko-KR" sz="4200" b="1" dirty="0"/>
+              <a:t>Change</a:t>
             </a:r>
             <a:endParaRPr lang="ko-KR" altLang="en-US" sz="4200" b="1" dirty="0">
               <a:latin typeface="휴먼매직체" panose="02030504000101010101" pitchFamily="18" charset="-127"/>
@@ -7906,8 +7906,8 @@
               <a:t>  - </a:t>
             </a:r>
             <a:r>
-              <a:rPr lang="ko-KR" altLang="en-US" sz="4200" b="1" dirty="0"/>
-              <a:t>시장조사</a:t>
+              <a:rPr lang="en-US" altLang="ko-KR" sz="4200" b="1" dirty="0"/>
+              <a:t>change</a:t>
             </a:r>
             <a:endParaRPr lang="ko-KR" altLang="en-US" sz="4200" b="1" dirty="0">
               <a:latin typeface="휴먼매직체" panose="02030504000101010101" pitchFamily="18" charset="-127"/>
